--- a/2019_Defcon27_PHV_Augmenting_The_Onion.pptx
+++ b/2019_Defcon27_PHV_Augmenting_The_Onion.pptx
@@ -10759,7 +10759,7 @@
         </p:spPr>
         <p:txBody>
           <a:bodyPr>
-            <a:normAutofit fontScale="70000" lnSpcReduction="20000"/>
+            <a:normAutofit fontScale="77500" lnSpcReduction="20000"/>
           </a:bodyPr>
           <a:lstStyle/>
           <a:p>
@@ -10816,16 +10816,6 @@
             <a:r>
               <a:rPr lang="en-US" sz="2600" dirty="0"/>
               <a:t> - https://misp-project.org/</a:t>
-            </a:r>
-          </a:p>
-          <a:p>
-            <a:r>
-              <a:rPr lang="en-US" sz="2600" b="1" dirty="0"/>
-              <a:t>Security Onion </a:t>
-            </a:r>
-            <a:r>
-              <a:rPr lang="en-US" sz="2600" dirty="0"/>
-              <a:t>– https://securityonion.net</a:t>
             </a:r>
           </a:p>
           <a:p>
